--- a/documentos/mapas.pptx
+++ b/documentos/mapas.pptx
@@ -10,6 +10,7 @@
     <p:sldId id="258" r:id="rId4"/>
     <p:sldId id="259" r:id="rId5"/>
     <p:sldId id="260" r:id="rId6"/>
+    <p:sldId id="261" r:id="rId7"/>
   </p:sldIdLst>
   <p:sldSz cx="9144000" cy="6858000" type="screen4x3"/>
   <p:notesSz cx="6858000" cy="9144000"/>
@@ -292,7 +293,8 @@
           <a:p>
             <a:fld id="{EA9298A8-2782-43A3-94EF-78DB9D622EB2}" type="datetimeFigureOut">
               <a:rPr lang="pt-BR" smtClean="0"/>
-              <a:t>11/05/2010</a:t>
+              <a:pPr/>
+              <a:t>26/05/2010</a:t>
             </a:fld>
             <a:endParaRPr lang="pt-BR"/>
           </a:p>
@@ -334,6 +336,7 @@
           <a:p>
             <a:fld id="{DC90D635-D855-480F-9CB8-B43E45435F32}" type="slidenum">
               <a:rPr lang="pt-BR" smtClean="0"/>
+              <a:pPr/>
               <a:t>‹#›</a:t>
             </a:fld>
             <a:endParaRPr lang="pt-BR"/>
@@ -457,7 +460,8 @@
           <a:p>
             <a:fld id="{EA9298A8-2782-43A3-94EF-78DB9D622EB2}" type="datetimeFigureOut">
               <a:rPr lang="pt-BR" smtClean="0"/>
-              <a:t>11/05/2010</a:t>
+              <a:pPr/>
+              <a:t>26/05/2010</a:t>
             </a:fld>
             <a:endParaRPr lang="pt-BR"/>
           </a:p>
@@ -499,6 +503,7 @@
           <a:p>
             <a:fld id="{DC90D635-D855-480F-9CB8-B43E45435F32}" type="slidenum">
               <a:rPr lang="pt-BR" smtClean="0"/>
+              <a:pPr/>
               <a:t>‹#›</a:t>
             </a:fld>
             <a:endParaRPr lang="pt-BR"/>
@@ -632,7 +637,8 @@
           <a:p>
             <a:fld id="{EA9298A8-2782-43A3-94EF-78DB9D622EB2}" type="datetimeFigureOut">
               <a:rPr lang="pt-BR" smtClean="0"/>
-              <a:t>11/05/2010</a:t>
+              <a:pPr/>
+              <a:t>26/05/2010</a:t>
             </a:fld>
             <a:endParaRPr lang="pt-BR"/>
           </a:p>
@@ -674,6 +680,7 @@
           <a:p>
             <a:fld id="{DC90D635-D855-480F-9CB8-B43E45435F32}" type="slidenum">
               <a:rPr lang="pt-BR" smtClean="0"/>
+              <a:pPr/>
               <a:t>‹#›</a:t>
             </a:fld>
             <a:endParaRPr lang="pt-BR"/>
@@ -797,7 +804,8 @@
           <a:p>
             <a:fld id="{EA9298A8-2782-43A3-94EF-78DB9D622EB2}" type="datetimeFigureOut">
               <a:rPr lang="pt-BR" smtClean="0"/>
-              <a:t>11/05/2010</a:t>
+              <a:pPr/>
+              <a:t>26/05/2010</a:t>
             </a:fld>
             <a:endParaRPr lang="pt-BR"/>
           </a:p>
@@ -839,6 +847,7 @@
           <a:p>
             <a:fld id="{DC90D635-D855-480F-9CB8-B43E45435F32}" type="slidenum">
               <a:rPr lang="pt-BR" smtClean="0"/>
+              <a:pPr/>
               <a:t>‹#›</a:t>
             </a:fld>
             <a:endParaRPr lang="pt-BR"/>
@@ -1038,7 +1047,8 @@
           <a:p>
             <a:fld id="{EA9298A8-2782-43A3-94EF-78DB9D622EB2}" type="datetimeFigureOut">
               <a:rPr lang="pt-BR" smtClean="0"/>
-              <a:t>11/05/2010</a:t>
+              <a:pPr/>
+              <a:t>26/05/2010</a:t>
             </a:fld>
             <a:endParaRPr lang="pt-BR"/>
           </a:p>
@@ -1080,6 +1090,7 @@
           <a:p>
             <a:fld id="{DC90D635-D855-480F-9CB8-B43E45435F32}" type="slidenum">
               <a:rPr lang="pt-BR" smtClean="0"/>
+              <a:pPr/>
               <a:t>‹#›</a:t>
             </a:fld>
             <a:endParaRPr lang="pt-BR"/>
@@ -1321,7 +1332,8 @@
           <a:p>
             <a:fld id="{EA9298A8-2782-43A3-94EF-78DB9D622EB2}" type="datetimeFigureOut">
               <a:rPr lang="pt-BR" smtClean="0"/>
-              <a:t>11/05/2010</a:t>
+              <a:pPr/>
+              <a:t>26/05/2010</a:t>
             </a:fld>
             <a:endParaRPr lang="pt-BR"/>
           </a:p>
@@ -1363,6 +1375,7 @@
           <a:p>
             <a:fld id="{DC90D635-D855-480F-9CB8-B43E45435F32}" type="slidenum">
               <a:rPr lang="pt-BR" smtClean="0"/>
+              <a:pPr/>
               <a:t>‹#›</a:t>
             </a:fld>
             <a:endParaRPr lang="pt-BR"/>
@@ -1738,7 +1751,8 @@
           <a:p>
             <a:fld id="{EA9298A8-2782-43A3-94EF-78DB9D622EB2}" type="datetimeFigureOut">
               <a:rPr lang="pt-BR" smtClean="0"/>
-              <a:t>11/05/2010</a:t>
+              <a:pPr/>
+              <a:t>26/05/2010</a:t>
             </a:fld>
             <a:endParaRPr lang="pt-BR"/>
           </a:p>
@@ -1780,6 +1794,7 @@
           <a:p>
             <a:fld id="{DC90D635-D855-480F-9CB8-B43E45435F32}" type="slidenum">
               <a:rPr lang="pt-BR" smtClean="0"/>
+              <a:pPr/>
               <a:t>‹#›</a:t>
             </a:fld>
             <a:endParaRPr lang="pt-BR"/>
@@ -1851,7 +1866,8 @@
           <a:p>
             <a:fld id="{EA9298A8-2782-43A3-94EF-78DB9D622EB2}" type="datetimeFigureOut">
               <a:rPr lang="pt-BR" smtClean="0"/>
-              <a:t>11/05/2010</a:t>
+              <a:pPr/>
+              <a:t>26/05/2010</a:t>
             </a:fld>
             <a:endParaRPr lang="pt-BR"/>
           </a:p>
@@ -1893,6 +1909,7 @@
           <a:p>
             <a:fld id="{DC90D635-D855-480F-9CB8-B43E45435F32}" type="slidenum">
               <a:rPr lang="pt-BR" smtClean="0"/>
+              <a:pPr/>
               <a:t>‹#›</a:t>
             </a:fld>
             <a:endParaRPr lang="pt-BR"/>
@@ -1941,7 +1958,8 @@
           <a:p>
             <a:fld id="{EA9298A8-2782-43A3-94EF-78DB9D622EB2}" type="datetimeFigureOut">
               <a:rPr lang="pt-BR" smtClean="0"/>
-              <a:t>11/05/2010</a:t>
+              <a:pPr/>
+              <a:t>26/05/2010</a:t>
             </a:fld>
             <a:endParaRPr lang="pt-BR"/>
           </a:p>
@@ -1983,6 +2001,7 @@
           <a:p>
             <a:fld id="{DC90D635-D855-480F-9CB8-B43E45435F32}" type="slidenum">
               <a:rPr lang="pt-BR" smtClean="0"/>
+              <a:pPr/>
               <a:t>‹#›</a:t>
             </a:fld>
             <a:endParaRPr lang="pt-BR"/>
@@ -2213,7 +2232,8 @@
           <a:p>
             <a:fld id="{EA9298A8-2782-43A3-94EF-78DB9D622EB2}" type="datetimeFigureOut">
               <a:rPr lang="pt-BR" smtClean="0"/>
-              <a:t>11/05/2010</a:t>
+              <a:pPr/>
+              <a:t>26/05/2010</a:t>
             </a:fld>
             <a:endParaRPr lang="pt-BR"/>
           </a:p>
@@ -2255,6 +2275,7 @@
           <a:p>
             <a:fld id="{DC90D635-D855-480F-9CB8-B43E45435F32}" type="slidenum">
               <a:rPr lang="pt-BR" smtClean="0"/>
+              <a:pPr/>
               <a:t>‹#›</a:t>
             </a:fld>
             <a:endParaRPr lang="pt-BR"/>
@@ -2461,7 +2482,8 @@
           <a:p>
             <a:fld id="{EA9298A8-2782-43A3-94EF-78DB9D622EB2}" type="datetimeFigureOut">
               <a:rPr lang="pt-BR" smtClean="0"/>
-              <a:t>11/05/2010</a:t>
+              <a:pPr/>
+              <a:t>26/05/2010</a:t>
             </a:fld>
             <a:endParaRPr lang="pt-BR"/>
           </a:p>
@@ -2503,6 +2525,7 @@
           <a:p>
             <a:fld id="{DC90D635-D855-480F-9CB8-B43E45435F32}" type="slidenum">
               <a:rPr lang="pt-BR" smtClean="0"/>
+              <a:pPr/>
               <a:t>‹#›</a:t>
             </a:fld>
             <a:endParaRPr lang="pt-BR"/>
@@ -2669,7 +2692,8 @@
           <a:p>
             <a:fld id="{EA9298A8-2782-43A3-94EF-78DB9D622EB2}" type="datetimeFigureOut">
               <a:rPr lang="pt-BR" smtClean="0"/>
-              <a:t>11/05/2010</a:t>
+              <a:pPr/>
+              <a:t>26/05/2010</a:t>
             </a:fld>
             <a:endParaRPr lang="pt-BR"/>
           </a:p>
@@ -2747,6 +2771,7 @@
           <a:p>
             <a:fld id="{DC90D635-D855-480F-9CB8-B43E45435F32}" type="slidenum">
               <a:rPr lang="pt-BR" smtClean="0"/>
+              <a:pPr/>
               <a:t>‹#›</a:t>
             </a:fld>
             <a:endParaRPr lang="pt-BR"/>
@@ -5314,6 +5339,956 @@
           <a:xfrm rot="5400000" flipH="1" flipV="1">
             <a:off x="3000364" y="3071810"/>
             <a:ext cx="285752" cy="1588"/>
+          </a:xfrm>
+          <a:prstGeom prst="straightConnector1">
+            <a:avLst/>
+          </a:prstGeom>
+          <a:ln>
+            <a:headEnd type="none"/>
+            <a:tailEnd type="none"/>
+          </a:ln>
+        </p:spPr>
+        <p:style>
+          <a:lnRef idx="2">
+            <a:schemeClr val="accent1"/>
+          </a:lnRef>
+          <a:fillRef idx="0">
+            <a:schemeClr val="accent1"/>
+          </a:fillRef>
+          <a:effectRef idx="1">
+            <a:schemeClr val="accent1"/>
+          </a:effectRef>
+          <a:fontRef idx="minor">
+            <a:schemeClr val="tx1"/>
+          </a:fontRef>
+        </p:style>
+      </p:cxnSp>
+    </p:spTree>
+  </p:cSld>
+  <p:clrMapOvr>
+    <a:masterClrMapping/>
+  </p:clrMapOvr>
+</p:sld>
+</file>
+
+<file path=ppt/slides/slide6.xml><?xml version="1.0" encoding="utf-8"?>
+<p:sld xmlns:a="http://schemas.openxmlformats.org/drawingml/2006/main" xmlns:r="http://schemas.openxmlformats.org/officeDocument/2006/relationships" xmlns:p="http://schemas.openxmlformats.org/presentationml/2006/main">
+  <p:cSld>
+    <p:spTree>
+      <p:nvGrpSpPr>
+        <p:cNvPr id="1" name=""/>
+        <p:cNvGrpSpPr/>
+        <p:nvPr/>
+      </p:nvGrpSpPr>
+      <p:grpSpPr>
+        <a:xfrm>
+          <a:off x="0" y="0"/>
+          <a:ext cx="0" cy="0"/>
+          <a:chOff x="0" y="0"/>
+          <a:chExt cx="0" cy="0"/>
+        </a:xfrm>
+      </p:grpSpPr>
+      <p:sp>
+        <p:nvSpPr>
+          <p:cNvPr id="4" name="Oval 3"/>
+          <p:cNvSpPr/>
+          <p:nvPr/>
+        </p:nvSpPr>
+        <p:spPr>
+          <a:xfrm>
+            <a:off x="6429388" y="1643050"/>
+            <a:ext cx="428628" cy="428628"/>
+          </a:xfrm>
+          <a:prstGeom prst="ellipse">
+            <a:avLst/>
+          </a:prstGeom>
+        </p:spPr>
+        <p:style>
+          <a:lnRef idx="2">
+            <a:schemeClr val="accent1">
+              <a:shade val="50000"/>
+            </a:schemeClr>
+          </a:lnRef>
+          <a:fillRef idx="1">
+            <a:schemeClr val="accent1"/>
+          </a:fillRef>
+          <a:effectRef idx="0">
+            <a:schemeClr val="accent1"/>
+          </a:effectRef>
+          <a:fontRef idx="minor">
+            <a:schemeClr val="lt1"/>
+          </a:fontRef>
+        </p:style>
+        <p:txBody>
+          <a:bodyPr wrap="none" rtlCol="0" anchor="ctr"/>
+          <a:lstStyle/>
+          <a:p>
+            <a:pPr algn="ctr"/>
+            <a:r>
+              <a:rPr lang="en-US" spc="-150" smtClean="0"/>
+              <a:t>1</a:t>
+            </a:r>
+            <a:endParaRPr lang="pt-BR" spc="-150"/>
+          </a:p>
+        </p:txBody>
+      </p:sp>
+      <p:sp>
+        <p:nvSpPr>
+          <p:cNvPr id="11" name="Oval 10"/>
+          <p:cNvSpPr/>
+          <p:nvPr/>
+        </p:nvSpPr>
+        <p:spPr>
+          <a:xfrm>
+            <a:off x="5715008" y="928670"/>
+            <a:ext cx="428628" cy="428628"/>
+          </a:xfrm>
+          <a:prstGeom prst="ellipse">
+            <a:avLst/>
+          </a:prstGeom>
+        </p:spPr>
+        <p:style>
+          <a:lnRef idx="2">
+            <a:schemeClr val="accent1">
+              <a:shade val="50000"/>
+            </a:schemeClr>
+          </a:lnRef>
+          <a:fillRef idx="1">
+            <a:schemeClr val="accent1"/>
+          </a:fillRef>
+          <a:effectRef idx="0">
+            <a:schemeClr val="accent1"/>
+          </a:effectRef>
+          <a:fontRef idx="minor">
+            <a:schemeClr val="lt1"/>
+          </a:fontRef>
+        </p:style>
+        <p:txBody>
+          <a:bodyPr wrap="none" rtlCol="0" anchor="ctr"/>
+          <a:lstStyle/>
+          <a:p>
+            <a:pPr algn="ctr"/>
+            <a:r>
+              <a:rPr lang="en-US" spc="-150" smtClean="0"/>
+              <a:t>4</a:t>
+            </a:r>
+            <a:endParaRPr lang="pt-BR" spc="-150"/>
+          </a:p>
+        </p:txBody>
+      </p:sp>
+      <p:cxnSp>
+        <p:nvCxnSpPr>
+          <p:cNvPr id="27" name="Straight Arrow Connector 26"/>
+          <p:cNvCxnSpPr>
+            <a:stCxn id="12" idx="0"/>
+            <a:endCxn id="4" idx="4"/>
+          </p:cNvCxnSpPr>
+          <p:nvPr/>
+        </p:nvCxnSpPr>
+        <p:spPr>
+          <a:xfrm rot="5400000" flipH="1" flipV="1">
+            <a:off x="6143636" y="2571744"/>
+            <a:ext cx="1000132" cy="1588"/>
+          </a:xfrm>
+          <a:prstGeom prst="straightConnector1">
+            <a:avLst/>
+          </a:prstGeom>
+          <a:ln>
+            <a:headEnd type="none"/>
+            <a:tailEnd type="none"/>
+          </a:ln>
+        </p:spPr>
+        <p:style>
+          <a:lnRef idx="2">
+            <a:schemeClr val="accent1"/>
+          </a:lnRef>
+          <a:fillRef idx="0">
+            <a:schemeClr val="accent1"/>
+          </a:fillRef>
+          <a:effectRef idx="1">
+            <a:schemeClr val="accent1"/>
+          </a:effectRef>
+          <a:fontRef idx="minor">
+            <a:schemeClr val="tx1"/>
+          </a:fontRef>
+        </p:style>
+      </p:cxnSp>
+      <p:sp>
+        <p:nvSpPr>
+          <p:cNvPr id="180" name="Oval 179"/>
+          <p:cNvSpPr/>
+          <p:nvPr/>
+        </p:nvSpPr>
+        <p:spPr>
+          <a:xfrm>
+            <a:off x="1428728" y="1643050"/>
+            <a:ext cx="428628" cy="428628"/>
+          </a:xfrm>
+          <a:prstGeom prst="ellipse">
+            <a:avLst/>
+          </a:prstGeom>
+        </p:spPr>
+        <p:style>
+          <a:lnRef idx="2">
+            <a:schemeClr val="accent1">
+              <a:shade val="50000"/>
+            </a:schemeClr>
+          </a:lnRef>
+          <a:fillRef idx="1">
+            <a:schemeClr val="accent1"/>
+          </a:fillRef>
+          <a:effectRef idx="0">
+            <a:schemeClr val="accent1"/>
+          </a:effectRef>
+          <a:fontRef idx="minor">
+            <a:schemeClr val="lt1"/>
+          </a:fontRef>
+        </p:style>
+        <p:txBody>
+          <a:bodyPr wrap="none" rtlCol="0" anchor="ctr"/>
+          <a:lstStyle/>
+          <a:p>
+            <a:pPr algn="ctr"/>
+            <a:r>
+              <a:rPr lang="en-US" spc="-150" smtClean="0"/>
+              <a:t>12</a:t>
+            </a:r>
+            <a:endParaRPr lang="pt-BR" spc="-150"/>
+          </a:p>
+        </p:txBody>
+      </p:sp>
+      <p:sp>
+        <p:nvSpPr>
+          <p:cNvPr id="8" name="Oval 7"/>
+          <p:cNvSpPr/>
+          <p:nvPr/>
+        </p:nvSpPr>
+        <p:spPr>
+          <a:xfrm>
+            <a:off x="2500298" y="4143380"/>
+            <a:ext cx="428628" cy="428628"/>
+          </a:xfrm>
+          <a:prstGeom prst="ellipse">
+            <a:avLst/>
+          </a:prstGeom>
+        </p:spPr>
+        <p:style>
+          <a:lnRef idx="2">
+            <a:schemeClr val="accent1">
+              <a:shade val="50000"/>
+            </a:schemeClr>
+          </a:lnRef>
+          <a:fillRef idx="1">
+            <a:schemeClr val="accent1"/>
+          </a:fillRef>
+          <a:effectRef idx="0">
+            <a:schemeClr val="accent1"/>
+          </a:effectRef>
+          <a:fontRef idx="minor">
+            <a:schemeClr val="lt1"/>
+          </a:fontRef>
+        </p:style>
+        <p:txBody>
+          <a:bodyPr wrap="none" lIns="0" tIns="0" rIns="0" bIns="0" rtlCol="0" anchor="ctr"/>
+          <a:lstStyle/>
+          <a:p>
+            <a:pPr algn="ctr"/>
+            <a:r>
+              <a:rPr lang="en-US" spc="-150" smtClean="0"/>
+              <a:t>11</a:t>
+            </a:r>
+            <a:endParaRPr lang="pt-BR" spc="-150"/>
+          </a:p>
+        </p:txBody>
+      </p:sp>
+      <p:sp>
+        <p:nvSpPr>
+          <p:cNvPr id="17" name="Oval 16"/>
+          <p:cNvSpPr/>
+          <p:nvPr/>
+        </p:nvSpPr>
+        <p:spPr>
+          <a:xfrm>
+            <a:off x="2500298" y="928670"/>
+            <a:ext cx="428628" cy="428628"/>
+          </a:xfrm>
+          <a:prstGeom prst="ellipse">
+            <a:avLst/>
+          </a:prstGeom>
+        </p:spPr>
+        <p:style>
+          <a:lnRef idx="2">
+            <a:schemeClr val="accent1"/>
+          </a:lnRef>
+          <a:fillRef idx="1">
+            <a:schemeClr val="lt1"/>
+          </a:fillRef>
+          <a:effectRef idx="0">
+            <a:schemeClr val="accent1"/>
+          </a:effectRef>
+          <a:fontRef idx="minor">
+            <a:schemeClr val="dk1"/>
+          </a:fontRef>
+        </p:style>
+        <p:txBody>
+          <a:bodyPr wrap="none" rtlCol="0" anchor="ctr"/>
+          <a:lstStyle/>
+          <a:p>
+            <a:pPr algn="ctr"/>
+            <a:r>
+              <a:rPr lang="en-US" spc="-150" smtClean="0"/>
+              <a:t>10</a:t>
+            </a:r>
+            <a:endParaRPr lang="pt-BR" spc="-150"/>
+          </a:p>
+        </p:txBody>
+      </p:sp>
+      <p:sp>
+        <p:nvSpPr>
+          <p:cNvPr id="15" name="Oval 14"/>
+          <p:cNvSpPr/>
+          <p:nvPr/>
+        </p:nvSpPr>
+        <p:spPr>
+          <a:xfrm>
+            <a:off x="3571868" y="1643050"/>
+            <a:ext cx="428628" cy="428628"/>
+          </a:xfrm>
+          <a:prstGeom prst="ellipse">
+            <a:avLst/>
+          </a:prstGeom>
+        </p:spPr>
+        <p:style>
+          <a:lnRef idx="2">
+            <a:schemeClr val="accent1"/>
+          </a:lnRef>
+          <a:fillRef idx="1">
+            <a:schemeClr val="lt1"/>
+          </a:fillRef>
+          <a:effectRef idx="0">
+            <a:schemeClr val="accent1"/>
+          </a:effectRef>
+          <a:fontRef idx="minor">
+            <a:schemeClr val="dk1"/>
+          </a:fontRef>
+        </p:style>
+        <p:txBody>
+          <a:bodyPr wrap="none" rtlCol="0" anchor="ctr"/>
+          <a:lstStyle/>
+          <a:p>
+            <a:pPr algn="ctr"/>
+            <a:r>
+              <a:rPr lang="en-US" spc="-150" smtClean="0"/>
+              <a:t>9</a:t>
+            </a:r>
+            <a:endParaRPr lang="pt-BR" spc="-150"/>
+          </a:p>
+        </p:txBody>
+      </p:sp>
+      <p:sp>
+        <p:nvSpPr>
+          <p:cNvPr id="181" name="Oval 180"/>
+          <p:cNvSpPr/>
+          <p:nvPr/>
+        </p:nvSpPr>
+        <p:spPr>
+          <a:xfrm>
+            <a:off x="3929058" y="3071810"/>
+            <a:ext cx="428628" cy="428628"/>
+          </a:xfrm>
+          <a:prstGeom prst="ellipse">
+            <a:avLst/>
+          </a:prstGeom>
+        </p:spPr>
+        <p:style>
+          <a:lnRef idx="2">
+            <a:schemeClr val="accent1"/>
+          </a:lnRef>
+          <a:fillRef idx="1">
+            <a:schemeClr val="lt1"/>
+          </a:fillRef>
+          <a:effectRef idx="0">
+            <a:schemeClr val="accent1"/>
+          </a:effectRef>
+          <a:fontRef idx="minor">
+            <a:schemeClr val="dk1"/>
+          </a:fontRef>
+        </p:style>
+        <p:txBody>
+          <a:bodyPr wrap="none" rtlCol="0" anchor="ctr"/>
+          <a:lstStyle/>
+          <a:p>
+            <a:pPr algn="ctr"/>
+            <a:r>
+              <a:rPr lang="en-US" spc="-150" smtClean="0"/>
+              <a:t>8</a:t>
+            </a:r>
+            <a:endParaRPr lang="pt-BR" spc="-150"/>
+          </a:p>
+        </p:txBody>
+      </p:sp>
+      <p:sp>
+        <p:nvSpPr>
+          <p:cNvPr id="13" name="Oval 12"/>
+          <p:cNvSpPr/>
+          <p:nvPr/>
+        </p:nvSpPr>
+        <p:spPr>
+          <a:xfrm>
+            <a:off x="5715008" y="4500570"/>
+            <a:ext cx="428628" cy="428628"/>
+          </a:xfrm>
+          <a:prstGeom prst="ellipse">
+            <a:avLst/>
+          </a:prstGeom>
+        </p:spPr>
+        <p:style>
+          <a:lnRef idx="2">
+            <a:schemeClr val="accent1">
+              <a:shade val="50000"/>
+            </a:schemeClr>
+          </a:lnRef>
+          <a:fillRef idx="1">
+            <a:schemeClr val="accent1"/>
+          </a:fillRef>
+          <a:effectRef idx="0">
+            <a:schemeClr val="accent1"/>
+          </a:effectRef>
+          <a:fontRef idx="minor">
+            <a:schemeClr val="lt1"/>
+          </a:fontRef>
+        </p:style>
+        <p:txBody>
+          <a:bodyPr wrap="none" rtlCol="0" anchor="ctr"/>
+          <a:lstStyle/>
+          <a:p>
+            <a:pPr algn="ctr"/>
+            <a:r>
+              <a:rPr lang="en-US" spc="-150" smtClean="0"/>
+              <a:t>7</a:t>
+            </a:r>
+            <a:endParaRPr lang="pt-BR" spc="-150"/>
+          </a:p>
+        </p:txBody>
+      </p:sp>
+      <p:sp>
+        <p:nvSpPr>
+          <p:cNvPr id="182" name="Oval 181"/>
+          <p:cNvSpPr/>
+          <p:nvPr/>
+        </p:nvSpPr>
+        <p:spPr>
+          <a:xfrm>
+            <a:off x="5715008" y="3071810"/>
+            <a:ext cx="428628" cy="428628"/>
+          </a:xfrm>
+          <a:prstGeom prst="ellipse">
+            <a:avLst/>
+          </a:prstGeom>
+        </p:spPr>
+        <p:style>
+          <a:lnRef idx="2">
+            <a:schemeClr val="accent1"/>
+          </a:lnRef>
+          <a:fillRef idx="1">
+            <a:schemeClr val="lt1"/>
+          </a:fillRef>
+          <a:effectRef idx="0">
+            <a:schemeClr val="accent1"/>
+          </a:effectRef>
+          <a:fontRef idx="minor">
+            <a:schemeClr val="dk1"/>
+          </a:fontRef>
+        </p:style>
+        <p:txBody>
+          <a:bodyPr wrap="none" rtlCol="0" anchor="ctr"/>
+          <a:lstStyle/>
+          <a:p>
+            <a:pPr algn="ctr"/>
+            <a:r>
+              <a:rPr lang="en-US" spc="-150" smtClean="0"/>
+              <a:t>6</a:t>
+            </a:r>
+            <a:endParaRPr lang="pt-BR" spc="-150"/>
+          </a:p>
+        </p:txBody>
+      </p:sp>
+      <p:sp>
+        <p:nvSpPr>
+          <p:cNvPr id="5" name="Oval 4"/>
+          <p:cNvSpPr/>
+          <p:nvPr/>
+        </p:nvSpPr>
+        <p:spPr>
+          <a:xfrm>
+            <a:off x="5715008" y="2357430"/>
+            <a:ext cx="428628" cy="428628"/>
+          </a:xfrm>
+          <a:prstGeom prst="ellipse">
+            <a:avLst/>
+          </a:prstGeom>
+        </p:spPr>
+        <p:style>
+          <a:lnRef idx="2">
+            <a:schemeClr val="accent1">
+              <a:shade val="50000"/>
+            </a:schemeClr>
+          </a:lnRef>
+          <a:fillRef idx="1">
+            <a:schemeClr val="accent1"/>
+          </a:fillRef>
+          <a:effectRef idx="0">
+            <a:schemeClr val="accent1"/>
+          </a:effectRef>
+          <a:fontRef idx="minor">
+            <a:schemeClr val="lt1"/>
+          </a:fontRef>
+        </p:style>
+        <p:txBody>
+          <a:bodyPr wrap="none" rtlCol="0" anchor="ctr"/>
+          <a:lstStyle/>
+          <a:p>
+            <a:pPr algn="ctr"/>
+            <a:r>
+              <a:rPr lang="en-US" spc="-150" smtClean="0"/>
+              <a:t>5</a:t>
+            </a:r>
+            <a:endParaRPr lang="pt-BR" spc="-150"/>
+          </a:p>
+        </p:txBody>
+      </p:sp>
+      <p:sp>
+        <p:nvSpPr>
+          <p:cNvPr id="6" name="Oval 5"/>
+          <p:cNvSpPr/>
+          <p:nvPr/>
+        </p:nvSpPr>
+        <p:spPr>
+          <a:xfrm>
+            <a:off x="6429388" y="4500570"/>
+            <a:ext cx="428628" cy="428628"/>
+          </a:xfrm>
+          <a:prstGeom prst="ellipse">
+            <a:avLst/>
+          </a:prstGeom>
+        </p:spPr>
+        <p:style>
+          <a:lnRef idx="2">
+            <a:schemeClr val="accent1">
+              <a:shade val="50000"/>
+            </a:schemeClr>
+          </a:lnRef>
+          <a:fillRef idx="1">
+            <a:schemeClr val="accent1"/>
+          </a:fillRef>
+          <a:effectRef idx="0">
+            <a:schemeClr val="accent1"/>
+          </a:effectRef>
+          <a:fontRef idx="minor">
+            <a:schemeClr val="lt1"/>
+          </a:fontRef>
+        </p:style>
+        <p:txBody>
+          <a:bodyPr wrap="none" rtlCol="0" anchor="ctr"/>
+          <a:lstStyle/>
+          <a:p>
+            <a:pPr algn="ctr"/>
+            <a:r>
+              <a:rPr lang="en-US" spc="-150" smtClean="0"/>
+              <a:t>3</a:t>
+            </a:r>
+            <a:endParaRPr lang="pt-BR" spc="-150"/>
+          </a:p>
+        </p:txBody>
+      </p:sp>
+      <p:sp>
+        <p:nvSpPr>
+          <p:cNvPr id="12" name="Oval 11"/>
+          <p:cNvSpPr/>
+          <p:nvPr/>
+        </p:nvSpPr>
+        <p:spPr>
+          <a:xfrm>
+            <a:off x="6429388" y="3071810"/>
+            <a:ext cx="428628" cy="428628"/>
+          </a:xfrm>
+          <a:prstGeom prst="ellipse">
+            <a:avLst/>
+          </a:prstGeom>
+        </p:spPr>
+        <p:style>
+          <a:lnRef idx="2">
+            <a:schemeClr val="accent1"/>
+          </a:lnRef>
+          <a:fillRef idx="1">
+            <a:schemeClr val="lt1"/>
+          </a:fillRef>
+          <a:effectRef idx="0">
+            <a:schemeClr val="accent1"/>
+          </a:effectRef>
+          <a:fontRef idx="minor">
+            <a:schemeClr val="dk1"/>
+          </a:fontRef>
+        </p:style>
+        <p:txBody>
+          <a:bodyPr wrap="none" rtlCol="0" anchor="ctr"/>
+          <a:lstStyle/>
+          <a:p>
+            <a:pPr algn="ctr"/>
+            <a:r>
+              <a:rPr lang="en-US" spc="-150" smtClean="0"/>
+              <a:t>2</a:t>
+            </a:r>
+            <a:endParaRPr lang="pt-BR" spc="-150"/>
+          </a:p>
+        </p:txBody>
+      </p:sp>
+      <p:cxnSp>
+        <p:nvCxnSpPr>
+          <p:cNvPr id="183" name="Straight Arrow Connector 182"/>
+          <p:cNvCxnSpPr>
+            <a:stCxn id="6" idx="0"/>
+            <a:endCxn id="12" idx="4"/>
+          </p:cNvCxnSpPr>
+          <p:nvPr/>
+        </p:nvCxnSpPr>
+        <p:spPr>
+          <a:xfrm rot="5400000" flipH="1" flipV="1">
+            <a:off x="6143636" y="4000504"/>
+            <a:ext cx="1000132" cy="1588"/>
+          </a:xfrm>
+          <a:prstGeom prst="straightConnector1">
+            <a:avLst/>
+          </a:prstGeom>
+          <a:ln>
+            <a:headEnd type="none"/>
+            <a:tailEnd type="none"/>
+          </a:ln>
+        </p:spPr>
+        <p:style>
+          <a:lnRef idx="2">
+            <a:schemeClr val="accent1"/>
+          </a:lnRef>
+          <a:fillRef idx="0">
+            <a:schemeClr val="accent1"/>
+          </a:fillRef>
+          <a:effectRef idx="1">
+            <a:schemeClr val="accent1"/>
+          </a:effectRef>
+          <a:fontRef idx="minor">
+            <a:schemeClr val="tx1"/>
+          </a:fontRef>
+        </p:style>
+      </p:cxnSp>
+      <p:cxnSp>
+        <p:nvCxnSpPr>
+          <p:cNvPr id="186" name="Straight Arrow Connector 185"/>
+          <p:cNvCxnSpPr>
+            <a:stCxn id="11" idx="5"/>
+            <a:endCxn id="4" idx="1"/>
+          </p:cNvCxnSpPr>
+          <p:nvPr/>
+        </p:nvCxnSpPr>
+        <p:spPr>
+          <a:xfrm rot="16200000" flipH="1">
+            <a:off x="6080865" y="1294527"/>
+            <a:ext cx="411294" cy="411294"/>
+          </a:xfrm>
+          <a:prstGeom prst="straightConnector1">
+            <a:avLst/>
+          </a:prstGeom>
+          <a:ln>
+            <a:headEnd type="none"/>
+            <a:tailEnd type="none"/>
+          </a:ln>
+        </p:spPr>
+        <p:style>
+          <a:lnRef idx="2">
+            <a:schemeClr val="accent1"/>
+          </a:lnRef>
+          <a:fillRef idx="0">
+            <a:schemeClr val="accent1"/>
+          </a:fillRef>
+          <a:effectRef idx="1">
+            <a:schemeClr val="accent1"/>
+          </a:effectRef>
+          <a:fontRef idx="minor">
+            <a:schemeClr val="tx1"/>
+          </a:fontRef>
+        </p:style>
+      </p:cxnSp>
+      <p:cxnSp>
+        <p:nvCxnSpPr>
+          <p:cNvPr id="191" name="Straight Arrow Connector 190"/>
+          <p:cNvCxnSpPr>
+            <a:stCxn id="12" idx="2"/>
+            <a:endCxn id="182" idx="6"/>
+          </p:cNvCxnSpPr>
+          <p:nvPr/>
+        </p:nvCxnSpPr>
+        <p:spPr>
+          <a:xfrm rot="10800000">
+            <a:off x="6143636" y="3286124"/>
+            <a:ext cx="285752" cy="1588"/>
+          </a:xfrm>
+          <a:prstGeom prst="straightConnector1">
+            <a:avLst/>
+          </a:prstGeom>
+          <a:ln>
+            <a:headEnd type="none"/>
+            <a:tailEnd type="none"/>
+          </a:ln>
+        </p:spPr>
+        <p:style>
+          <a:lnRef idx="2">
+            <a:schemeClr val="accent1"/>
+          </a:lnRef>
+          <a:fillRef idx="0">
+            <a:schemeClr val="accent1"/>
+          </a:fillRef>
+          <a:effectRef idx="1">
+            <a:schemeClr val="accent1"/>
+          </a:effectRef>
+          <a:fontRef idx="minor">
+            <a:schemeClr val="tx1"/>
+          </a:fontRef>
+        </p:style>
+      </p:cxnSp>
+      <p:cxnSp>
+        <p:nvCxnSpPr>
+          <p:cNvPr id="194" name="Straight Arrow Connector 193"/>
+          <p:cNvCxnSpPr>
+            <a:stCxn id="182" idx="0"/>
+            <a:endCxn id="5" idx="4"/>
+          </p:cNvCxnSpPr>
+          <p:nvPr/>
+        </p:nvCxnSpPr>
+        <p:spPr>
+          <a:xfrm rot="5400000" flipH="1" flipV="1">
+            <a:off x="5786446" y="2928934"/>
+            <a:ext cx="285752" cy="1588"/>
+          </a:xfrm>
+          <a:prstGeom prst="straightConnector1">
+            <a:avLst/>
+          </a:prstGeom>
+          <a:ln>
+            <a:headEnd type="none"/>
+            <a:tailEnd type="none"/>
+          </a:ln>
+        </p:spPr>
+        <p:style>
+          <a:lnRef idx="2">
+            <a:schemeClr val="accent1"/>
+          </a:lnRef>
+          <a:fillRef idx="0">
+            <a:schemeClr val="accent1"/>
+          </a:fillRef>
+          <a:effectRef idx="1">
+            <a:schemeClr val="accent1"/>
+          </a:effectRef>
+          <a:fontRef idx="minor">
+            <a:schemeClr val="tx1"/>
+          </a:fontRef>
+        </p:style>
+      </p:cxnSp>
+      <p:cxnSp>
+        <p:nvCxnSpPr>
+          <p:cNvPr id="197" name="Straight Arrow Connector 196"/>
+          <p:cNvCxnSpPr>
+            <a:stCxn id="13" idx="0"/>
+            <a:endCxn id="182" idx="4"/>
+          </p:cNvCxnSpPr>
+          <p:nvPr/>
+        </p:nvCxnSpPr>
+        <p:spPr>
+          <a:xfrm rot="5400000" flipH="1" flipV="1">
+            <a:off x="5429256" y="4000504"/>
+            <a:ext cx="1000132" cy="1588"/>
+          </a:xfrm>
+          <a:prstGeom prst="straightConnector1">
+            <a:avLst/>
+          </a:prstGeom>
+          <a:ln>
+            <a:headEnd type="none"/>
+            <a:tailEnd type="none"/>
+          </a:ln>
+        </p:spPr>
+        <p:style>
+          <a:lnRef idx="2">
+            <a:schemeClr val="accent1"/>
+          </a:lnRef>
+          <a:fillRef idx="0">
+            <a:schemeClr val="accent1"/>
+          </a:fillRef>
+          <a:effectRef idx="1">
+            <a:schemeClr val="accent1"/>
+          </a:effectRef>
+          <a:fontRef idx="minor">
+            <a:schemeClr val="tx1"/>
+          </a:fontRef>
+        </p:style>
+      </p:cxnSp>
+      <p:cxnSp>
+        <p:nvCxnSpPr>
+          <p:cNvPr id="200" name="Straight Arrow Connector 199"/>
+          <p:cNvCxnSpPr>
+            <a:stCxn id="181" idx="6"/>
+            <a:endCxn id="182" idx="2"/>
+          </p:cNvCxnSpPr>
+          <p:nvPr/>
+        </p:nvCxnSpPr>
+        <p:spPr>
+          <a:xfrm>
+            <a:off x="4357686" y="3286124"/>
+            <a:ext cx="1357322" cy="1588"/>
+          </a:xfrm>
+          <a:prstGeom prst="straightConnector1">
+            <a:avLst/>
+          </a:prstGeom>
+          <a:ln>
+            <a:headEnd type="none"/>
+            <a:tailEnd type="none"/>
+          </a:ln>
+        </p:spPr>
+        <p:style>
+          <a:lnRef idx="2">
+            <a:schemeClr val="accent1"/>
+          </a:lnRef>
+          <a:fillRef idx="0">
+            <a:schemeClr val="accent1"/>
+          </a:fillRef>
+          <a:effectRef idx="1">
+            <a:schemeClr val="accent1"/>
+          </a:effectRef>
+          <a:fontRef idx="minor">
+            <a:schemeClr val="tx1"/>
+          </a:fontRef>
+        </p:style>
+      </p:cxnSp>
+      <p:cxnSp>
+        <p:nvCxnSpPr>
+          <p:cNvPr id="203" name="Straight Arrow Connector 202"/>
+          <p:cNvCxnSpPr>
+            <a:stCxn id="181" idx="0"/>
+            <a:endCxn id="15" idx="4"/>
+          </p:cNvCxnSpPr>
+          <p:nvPr/>
+        </p:nvCxnSpPr>
+        <p:spPr>
+          <a:xfrm rot="16200000" flipV="1">
+            <a:off x="3464711" y="2393149"/>
+            <a:ext cx="1000132" cy="357190"/>
+          </a:xfrm>
+          <a:prstGeom prst="straightConnector1">
+            <a:avLst/>
+          </a:prstGeom>
+          <a:ln>
+            <a:headEnd type="none"/>
+            <a:tailEnd type="none"/>
+          </a:ln>
+        </p:spPr>
+        <p:style>
+          <a:lnRef idx="2">
+            <a:schemeClr val="accent1"/>
+          </a:lnRef>
+          <a:fillRef idx="0">
+            <a:schemeClr val="accent1"/>
+          </a:fillRef>
+          <a:effectRef idx="1">
+            <a:schemeClr val="accent1"/>
+          </a:effectRef>
+          <a:fontRef idx="minor">
+            <a:schemeClr val="tx1"/>
+          </a:fontRef>
+        </p:style>
+      </p:cxnSp>
+      <p:cxnSp>
+        <p:nvCxnSpPr>
+          <p:cNvPr id="208" name="Straight Arrow Connector 207"/>
+          <p:cNvCxnSpPr>
+            <a:stCxn id="8" idx="7"/>
+            <a:endCxn id="181" idx="3"/>
+          </p:cNvCxnSpPr>
+          <p:nvPr/>
+        </p:nvCxnSpPr>
+        <p:spPr>
+          <a:xfrm rot="5400000" flipH="1" flipV="1">
+            <a:off x="3044750" y="3259072"/>
+            <a:ext cx="768484" cy="1125674"/>
+          </a:xfrm>
+          <a:prstGeom prst="straightConnector1">
+            <a:avLst/>
+          </a:prstGeom>
+          <a:ln>
+            <a:headEnd type="none"/>
+            <a:tailEnd type="none"/>
+          </a:ln>
+        </p:spPr>
+        <p:style>
+          <a:lnRef idx="2">
+            <a:schemeClr val="accent1"/>
+          </a:lnRef>
+          <a:fillRef idx="0">
+            <a:schemeClr val="accent1"/>
+          </a:fillRef>
+          <a:effectRef idx="1">
+            <a:schemeClr val="accent1"/>
+          </a:effectRef>
+          <a:fontRef idx="minor">
+            <a:schemeClr val="tx1"/>
+          </a:fontRef>
+        </p:style>
+      </p:cxnSp>
+      <p:cxnSp>
+        <p:nvCxnSpPr>
+          <p:cNvPr id="211" name="Straight Arrow Connector 210"/>
+          <p:cNvCxnSpPr>
+            <a:stCxn id="17" idx="6"/>
+            <a:endCxn id="15" idx="1"/>
+          </p:cNvCxnSpPr>
+          <p:nvPr/>
+        </p:nvCxnSpPr>
+        <p:spPr>
+          <a:xfrm>
+            <a:off x="2928926" y="1142984"/>
+            <a:ext cx="705713" cy="562837"/>
+          </a:xfrm>
+          <a:prstGeom prst="straightConnector1">
+            <a:avLst/>
+          </a:prstGeom>
+          <a:ln>
+            <a:headEnd type="none"/>
+            <a:tailEnd type="none"/>
+          </a:ln>
+        </p:spPr>
+        <p:style>
+          <a:lnRef idx="2">
+            <a:schemeClr val="accent1"/>
+          </a:lnRef>
+          <a:fillRef idx="0">
+            <a:schemeClr val="accent1"/>
+          </a:fillRef>
+          <a:effectRef idx="1">
+            <a:schemeClr val="accent1"/>
+          </a:effectRef>
+          <a:fontRef idx="minor">
+            <a:schemeClr val="tx1"/>
+          </a:fontRef>
+        </p:style>
+      </p:cxnSp>
+      <p:cxnSp>
+        <p:nvCxnSpPr>
+          <p:cNvPr id="215" name="Straight Arrow Connector 214"/>
+          <p:cNvCxnSpPr>
+            <a:stCxn id="180" idx="7"/>
+            <a:endCxn id="17" idx="2"/>
+          </p:cNvCxnSpPr>
+          <p:nvPr/>
+        </p:nvCxnSpPr>
+        <p:spPr>
+          <a:xfrm rot="5400000" flipH="1" flipV="1">
+            <a:off x="1866023" y="1071547"/>
+            <a:ext cx="562837" cy="705713"/>
           </a:xfrm>
           <a:prstGeom prst="straightConnector1">
             <a:avLst/>

--- a/documentos/mapas.pptx
+++ b/documentos/mapas.pptx
@@ -5660,16 +5660,18 @@
         </p:spPr>
         <p:style>
           <a:lnRef idx="2">
-            <a:schemeClr val="accent1"/>
+            <a:schemeClr val="accent1">
+              <a:shade val="50000"/>
+            </a:schemeClr>
           </a:lnRef>
           <a:fillRef idx="1">
+            <a:schemeClr val="accent1"/>
+          </a:fillRef>
+          <a:effectRef idx="0">
+            <a:schemeClr val="accent1"/>
+          </a:effectRef>
+          <a:fontRef idx="minor">
             <a:schemeClr val="lt1"/>
-          </a:fillRef>
-          <a:effectRef idx="0">
-            <a:schemeClr val="accent1"/>
-          </a:effectRef>
-          <a:fontRef idx="minor">
-            <a:schemeClr val="dk1"/>
           </a:fontRef>
         </p:style>
         <p:txBody>
